--- a/240506/CNN.pptx
+++ b/240506/CNN.pptx
@@ -9,6 +9,7 @@
     <p:sldId id="257" r:id="rId3"/>
     <p:sldId id="259" r:id="rId4"/>
     <p:sldId id="258" r:id="rId5"/>
+    <p:sldId id="261" r:id="rId6"/>
   </p:sldIdLst>
   <p:sldSz cx="12192000" cy="6858000"/>
   <p:notesSz cx="6858000" cy="9144000"/>
@@ -107,6 +108,11 @@
       </a:defRPr>
     </a:lvl9pPr>
   </p:defaultTextStyle>
+  <p:extLst>
+    <p:ext uri="{EFAFB233-063F-42B5-8137-9DF3F51BA10A}">
+      <p15:sldGuideLst xmlns:p15="http://schemas.microsoft.com/office/powerpoint/2012/main"/>
+    </p:ext>
+  </p:extLst>
 </p:presentation>
 </file>
 
@@ -3916,6 +3922,207 @@
     <p:extLst>
       <p:ext uri="{BB962C8B-B14F-4D97-AF65-F5344CB8AC3E}">
         <p14:creationId xmlns:p14="http://schemas.microsoft.com/office/powerpoint/2010/main" val="3915253432"/>
+      </p:ext>
+    </p:extLst>
+  </p:cSld>
+  <p:clrMapOvr>
+    <a:masterClrMapping/>
+  </p:clrMapOvr>
+</p:sld>
+</file>
+
+<file path=ppt/slides/slide5.xml><?xml version="1.0" encoding="utf-8"?>
+<p:sld xmlns:a="http://schemas.openxmlformats.org/drawingml/2006/main" xmlns:r="http://schemas.openxmlformats.org/officeDocument/2006/relationships" xmlns:p="http://schemas.openxmlformats.org/presentationml/2006/main">
+  <p:cSld>
+    <p:bg>
+      <p:bgPr>
+        <a:solidFill>
+          <a:schemeClr val="bg1"/>
+        </a:solidFill>
+        <a:effectLst/>
+      </p:bgPr>
+    </p:bg>
+    <p:spTree>
+      <p:nvGrpSpPr>
+        <p:cNvPr id="1" name=""/>
+        <p:cNvGrpSpPr/>
+        <p:nvPr/>
+      </p:nvGrpSpPr>
+      <p:grpSpPr>
+        <a:xfrm>
+          <a:off x="0" y="0"/>
+          <a:ext cx="0" cy="0"/>
+          <a:chOff x="0" y="0"/>
+          <a:chExt cx="0" cy="0"/>
+        </a:xfrm>
+      </p:grpSpPr>
+      <p:sp>
+        <p:nvSpPr>
+          <p:cNvPr id="10" name="Down Arrow 7">
+            <a:extLst>
+              <a:ext uri="{FF2B5EF4-FFF2-40B4-BE49-F238E27FC236}">
+                <a16:creationId xmlns:a16="http://schemas.microsoft.com/office/drawing/2014/main" id="{D4771268-CB57-404A-9271-370EB28F6090}"/>
+              </a:ext>
+              <a:ext uri="{C183D7F6-B498-43B3-948B-1728B52AA6E4}">
+                <adec:decorative xmlns:adec="http://schemas.microsoft.com/office/drawing/2017/decorative" val="1"/>
+              </a:ext>
+            </a:extLst>
+          </p:cNvPr>
+          <p:cNvSpPr>
+            <a:spLocks noGrp="1" noRot="1" noChangeAspect="1" noMove="1" noResize="1" noEditPoints="1" noAdjustHandles="1" noChangeArrowheads="1" noChangeShapeType="1" noTextEdit="1"/>
+          </p:cNvSpPr>
+          <p:nvPr>
+            <p:extLst>
+              <p:ext uri="{386F3935-93C4-4BCD-93E2-E3B085C9AB24}">
+                <p16:designElem xmlns:p16="http://schemas.microsoft.com/office/powerpoint/2015/main" val="1"/>
+              </p:ext>
+            </p:extLst>
+          </p:nvPr>
+        </p:nvSpPr>
+        <p:spPr>
+          <a:xfrm rot="16200000">
+            <a:off x="800100" y="1491343"/>
+            <a:ext cx="3333749" cy="3499103"/>
+          </a:xfrm>
+          <a:prstGeom prst="downArrow">
+            <a:avLst>
+              <a:gd name="adj1" fmla="val 100000"/>
+              <a:gd name="adj2" fmla="val 15788"/>
+            </a:avLst>
+          </a:prstGeom>
+          <a:solidFill>
+            <a:srgbClr val="404040"/>
+          </a:solidFill>
+          <a:ln w="53975">
+            <a:noFill/>
+          </a:ln>
+        </p:spPr>
+        <p:style>
+          <a:lnRef idx="2">
+            <a:schemeClr val="accent1">
+              <a:shade val="50000"/>
+            </a:schemeClr>
+          </a:lnRef>
+          <a:fillRef idx="1">
+            <a:schemeClr val="accent1"/>
+          </a:fillRef>
+          <a:effectRef idx="0">
+            <a:schemeClr val="accent1"/>
+          </a:effectRef>
+          <a:fontRef idx="minor">
+            <a:schemeClr val="lt1"/>
+          </a:fontRef>
+        </p:style>
+        <p:txBody>
+          <a:bodyPr rtlCol="0" anchor="ctr"/>
+          <a:lstStyle/>
+          <a:p>
+            <a:pPr algn="ctr"/>
+            <a:endParaRPr lang="en-US"/>
+          </a:p>
+        </p:txBody>
+      </p:sp>
+      <p:sp>
+        <p:nvSpPr>
+          <p:cNvPr id="2" name="標題 1">
+            <a:extLst>
+              <a:ext uri="{FF2B5EF4-FFF2-40B4-BE49-F238E27FC236}">
+                <a16:creationId xmlns:a16="http://schemas.microsoft.com/office/drawing/2014/main" id="{F177FAFB-AB95-E966-3C91-B1244693E8A3}"/>
+              </a:ext>
+            </a:extLst>
+          </p:cNvPr>
+          <p:cNvSpPr>
+            <a:spLocks noGrp="1"/>
+          </p:cNvSpPr>
+          <p:nvPr>
+            <p:ph type="title"/>
+          </p:nvPr>
+        </p:nvSpPr>
+        <p:spPr>
+          <a:xfrm>
+            <a:off x="1028700" y="1967266"/>
+            <a:ext cx="2628900" cy="2547257"/>
+          </a:xfrm>
+          <a:noFill/>
+        </p:spPr>
+        <p:txBody>
+          <a:bodyPr vert="horz" lIns="91440" tIns="45720" rIns="91440" bIns="45720" rtlCol="0" anchor="ctr">
+            <a:normAutofit/>
+          </a:bodyPr>
+          <a:lstStyle/>
+          <a:p>
+            <a:pPr algn="ctr"/>
+            <a:r>
+              <a:rPr lang="zh-TW" altLang="en-US" sz="3600" kern="1200" dirty="0">
+                <a:solidFill>
+                  <a:srgbClr val="FFFFFF"/>
+                </a:solidFill>
+                <a:latin typeface="+mj-lt"/>
+                <a:ea typeface="+mj-ea"/>
+                <a:cs typeface="+mj-cs"/>
+              </a:rPr>
+              <a:t>多排影像</a:t>
+            </a:r>
+            <a:br>
+              <a:rPr lang="en-US" altLang="zh-TW" sz="3600" kern="1200" dirty="0">
+                <a:solidFill>
+                  <a:srgbClr val="FFFFFF"/>
+                </a:solidFill>
+                <a:latin typeface="+mj-lt"/>
+                <a:ea typeface="+mj-ea"/>
+                <a:cs typeface="+mj-cs"/>
+              </a:rPr>
+            </a:br>
+            <a:r>
+              <a:rPr lang="zh-TW" altLang="en-US" sz="3600" kern="1200" dirty="0">
+                <a:solidFill>
+                  <a:srgbClr val="FFFFFF"/>
+                </a:solidFill>
+                <a:latin typeface="+mj-lt"/>
+                <a:ea typeface="+mj-ea"/>
+                <a:cs typeface="+mj-cs"/>
+              </a:rPr>
+              <a:t>自動輸出</a:t>
+            </a:r>
+          </a:p>
+        </p:txBody>
+      </p:sp>
+      <p:pic>
+        <p:nvPicPr>
+          <p:cNvPr id="5" name="內容版面配置區 4">
+            <a:extLst>
+              <a:ext uri="{FF2B5EF4-FFF2-40B4-BE49-F238E27FC236}">
+                <a16:creationId xmlns:a16="http://schemas.microsoft.com/office/drawing/2014/main" id="{4751CCCF-C747-D558-3450-BB1F921FF7E5}"/>
+              </a:ext>
+            </a:extLst>
+          </p:cNvPr>
+          <p:cNvPicPr>
+            <a:picLocks noGrp="1" noChangeAspect="1"/>
+          </p:cNvPicPr>
+          <p:nvPr>
+            <p:ph idx="1"/>
+          </p:nvPr>
+        </p:nvPicPr>
+        <p:blipFill>
+          <a:blip r:embed="rId2"/>
+          <a:stretch>
+            <a:fillRect/>
+          </a:stretch>
+        </p:blipFill>
+        <p:spPr>
+          <a:xfrm>
+            <a:off x="4777316" y="732507"/>
+            <a:ext cx="6780700" cy="5390656"/>
+          </a:xfrm>
+          <a:prstGeom prst="rect">
+            <a:avLst/>
+          </a:prstGeom>
+        </p:spPr>
+      </p:pic>
+    </p:spTree>
+    <p:extLst>
+      <p:ext uri="{BB962C8B-B14F-4D97-AF65-F5344CB8AC3E}">
+        <p14:creationId xmlns:p14="http://schemas.microsoft.com/office/powerpoint/2010/main" val="1121731983"/>
       </p:ext>
     </p:extLst>
   </p:cSld>
